--- a/mlops (3) (1).pptx
+++ b/mlops (3) (1).pptx
@@ -142,7 +142,7 @@
           <p:cNvPr id="2" name="Title 1">
             <a:extLst>
               <a:ext uri="{FF2B5EF4-FFF2-40B4-BE49-F238E27FC236}">
-                <a16:creationId xmlns:a16="http://schemas.microsoft.com/office/drawing/2014/main" id="{62B70FF9-9C3C-A701-1D19-6DF8EEB390F3}"/>
+                <a16:creationId xmlns:a16="http://schemas.microsoft.com/office/drawing/2014/main" xmlns="" id="{62B70FF9-9C3C-A701-1D19-6DF8EEB390F3}"/>
               </a:ext>
             </a:extLst>
           </p:cNvPr>
@@ -180,7 +180,7 @@
           <p:cNvPr id="3" name="Subtitle 2">
             <a:extLst>
               <a:ext uri="{FF2B5EF4-FFF2-40B4-BE49-F238E27FC236}">
-                <a16:creationId xmlns:a16="http://schemas.microsoft.com/office/drawing/2014/main" id="{76AFB754-B98E-C24C-6E70-BDFEF1FF6620}"/>
+                <a16:creationId xmlns:a16="http://schemas.microsoft.com/office/drawing/2014/main" xmlns="" id="{76AFB754-B98E-C24C-6E70-BDFEF1FF6620}"/>
               </a:ext>
             </a:extLst>
           </p:cNvPr>
@@ -251,7 +251,7 @@
           <p:cNvPr id="4" name="Date Placeholder 3">
             <a:extLst>
               <a:ext uri="{FF2B5EF4-FFF2-40B4-BE49-F238E27FC236}">
-                <a16:creationId xmlns:a16="http://schemas.microsoft.com/office/drawing/2014/main" id="{3D1DF0DA-030F-6B5F-266B-E2F29A1962A0}"/>
+                <a16:creationId xmlns:a16="http://schemas.microsoft.com/office/drawing/2014/main" xmlns="" id="{3D1DF0DA-030F-6B5F-266B-E2F29A1962A0}"/>
               </a:ext>
             </a:extLst>
           </p:cNvPr>
@@ -269,7 +269,7 @@
           <a:p>
             <a:fld id="{BCEE4DB9-1AAC-48CD-BA27-3DFA3E2C8DE9}" type="datetimeFigureOut">
               <a:rPr lang="en-IN" smtClean="0"/>
-              <a:t>11-10-2024</a:t>
+              <a:t>14-10-2024</a:t>
             </a:fld>
             <a:endParaRPr lang="en-IN"/>
           </a:p>
@@ -280,7 +280,7 @@
           <p:cNvPr id="5" name="Footer Placeholder 4">
             <a:extLst>
               <a:ext uri="{FF2B5EF4-FFF2-40B4-BE49-F238E27FC236}">
-                <a16:creationId xmlns:a16="http://schemas.microsoft.com/office/drawing/2014/main" id="{BE8DA991-F9D8-E82A-BD77-6C219E8B80C4}"/>
+                <a16:creationId xmlns:a16="http://schemas.microsoft.com/office/drawing/2014/main" xmlns="" id="{BE8DA991-F9D8-E82A-BD77-6C219E8B80C4}"/>
               </a:ext>
             </a:extLst>
           </p:cNvPr>
@@ -305,7 +305,7 @@
           <p:cNvPr id="6" name="Slide Number Placeholder 5">
             <a:extLst>
               <a:ext uri="{FF2B5EF4-FFF2-40B4-BE49-F238E27FC236}">
-                <a16:creationId xmlns:a16="http://schemas.microsoft.com/office/drawing/2014/main" id="{2E4A882A-8EE5-36CF-1A79-8E3D31F4F8D1}"/>
+                <a16:creationId xmlns:a16="http://schemas.microsoft.com/office/drawing/2014/main" xmlns="" id="{2E4A882A-8EE5-36CF-1A79-8E3D31F4F8D1}"/>
               </a:ext>
             </a:extLst>
           </p:cNvPr>
@@ -364,7 +364,7 @@
           <p:cNvPr id="2" name="Title 1">
             <a:extLst>
               <a:ext uri="{FF2B5EF4-FFF2-40B4-BE49-F238E27FC236}">
-                <a16:creationId xmlns:a16="http://schemas.microsoft.com/office/drawing/2014/main" id="{9A011D18-78CC-87B2-6E00-E889763698A3}"/>
+                <a16:creationId xmlns:a16="http://schemas.microsoft.com/office/drawing/2014/main" xmlns="" id="{9A011D18-78CC-87B2-6E00-E889763698A3}"/>
               </a:ext>
             </a:extLst>
           </p:cNvPr>
@@ -393,7 +393,7 @@
           <p:cNvPr id="3" name="Vertical Text Placeholder 2">
             <a:extLst>
               <a:ext uri="{FF2B5EF4-FFF2-40B4-BE49-F238E27FC236}">
-                <a16:creationId xmlns:a16="http://schemas.microsoft.com/office/drawing/2014/main" id="{E13C78BF-8B04-E21A-CF91-FAB3CF4B28AA}"/>
+                <a16:creationId xmlns:a16="http://schemas.microsoft.com/office/drawing/2014/main" xmlns="" id="{E13C78BF-8B04-E21A-CF91-FAB3CF4B28AA}"/>
               </a:ext>
             </a:extLst>
           </p:cNvPr>
@@ -451,7 +451,7 @@
           <p:cNvPr id="4" name="Date Placeholder 3">
             <a:extLst>
               <a:ext uri="{FF2B5EF4-FFF2-40B4-BE49-F238E27FC236}">
-                <a16:creationId xmlns:a16="http://schemas.microsoft.com/office/drawing/2014/main" id="{98ADFDAD-097F-7892-BD0D-10DA34855C8F}"/>
+                <a16:creationId xmlns:a16="http://schemas.microsoft.com/office/drawing/2014/main" xmlns="" id="{98ADFDAD-097F-7892-BD0D-10DA34855C8F}"/>
               </a:ext>
             </a:extLst>
           </p:cNvPr>
@@ -469,7 +469,7 @@
           <a:p>
             <a:fld id="{BCEE4DB9-1AAC-48CD-BA27-3DFA3E2C8DE9}" type="datetimeFigureOut">
               <a:rPr lang="en-IN" smtClean="0"/>
-              <a:t>11-10-2024</a:t>
+              <a:t>14-10-2024</a:t>
             </a:fld>
             <a:endParaRPr lang="en-IN"/>
           </a:p>
@@ -480,7 +480,7 @@
           <p:cNvPr id="5" name="Footer Placeholder 4">
             <a:extLst>
               <a:ext uri="{FF2B5EF4-FFF2-40B4-BE49-F238E27FC236}">
-                <a16:creationId xmlns:a16="http://schemas.microsoft.com/office/drawing/2014/main" id="{24698209-0F19-82A4-66D6-05AE53C5D5FE}"/>
+                <a16:creationId xmlns:a16="http://schemas.microsoft.com/office/drawing/2014/main" xmlns="" id="{24698209-0F19-82A4-66D6-05AE53C5D5FE}"/>
               </a:ext>
             </a:extLst>
           </p:cNvPr>
@@ -505,7 +505,7 @@
           <p:cNvPr id="6" name="Slide Number Placeholder 5">
             <a:extLst>
               <a:ext uri="{FF2B5EF4-FFF2-40B4-BE49-F238E27FC236}">
-                <a16:creationId xmlns:a16="http://schemas.microsoft.com/office/drawing/2014/main" id="{2FEDEEEC-3AA6-7483-1082-3C75AEE63413}"/>
+                <a16:creationId xmlns:a16="http://schemas.microsoft.com/office/drawing/2014/main" xmlns="" id="{2FEDEEEC-3AA6-7483-1082-3C75AEE63413}"/>
               </a:ext>
             </a:extLst>
           </p:cNvPr>
@@ -564,7 +564,7 @@
           <p:cNvPr id="2" name="Vertical Title 1">
             <a:extLst>
               <a:ext uri="{FF2B5EF4-FFF2-40B4-BE49-F238E27FC236}">
-                <a16:creationId xmlns:a16="http://schemas.microsoft.com/office/drawing/2014/main" id="{DFD9B644-2422-444F-E174-5067BA8B70FB}"/>
+                <a16:creationId xmlns:a16="http://schemas.microsoft.com/office/drawing/2014/main" xmlns="" id="{DFD9B644-2422-444F-E174-5067BA8B70FB}"/>
               </a:ext>
             </a:extLst>
           </p:cNvPr>
@@ -598,7 +598,7 @@
           <p:cNvPr id="3" name="Vertical Text Placeholder 2">
             <a:extLst>
               <a:ext uri="{FF2B5EF4-FFF2-40B4-BE49-F238E27FC236}">
-                <a16:creationId xmlns:a16="http://schemas.microsoft.com/office/drawing/2014/main" id="{FA42CEB9-BD77-E0D3-7376-1D8ED94C1819}"/>
+                <a16:creationId xmlns:a16="http://schemas.microsoft.com/office/drawing/2014/main" xmlns="" id="{FA42CEB9-BD77-E0D3-7376-1D8ED94C1819}"/>
               </a:ext>
             </a:extLst>
           </p:cNvPr>
@@ -661,7 +661,7 @@
           <p:cNvPr id="4" name="Date Placeholder 3">
             <a:extLst>
               <a:ext uri="{FF2B5EF4-FFF2-40B4-BE49-F238E27FC236}">
-                <a16:creationId xmlns:a16="http://schemas.microsoft.com/office/drawing/2014/main" id="{4979E8A9-546F-816E-E306-BC59DC542E2A}"/>
+                <a16:creationId xmlns:a16="http://schemas.microsoft.com/office/drawing/2014/main" xmlns="" id="{4979E8A9-546F-816E-E306-BC59DC542E2A}"/>
               </a:ext>
             </a:extLst>
           </p:cNvPr>
@@ -679,7 +679,7 @@
           <a:p>
             <a:fld id="{BCEE4DB9-1AAC-48CD-BA27-3DFA3E2C8DE9}" type="datetimeFigureOut">
               <a:rPr lang="en-IN" smtClean="0"/>
-              <a:t>11-10-2024</a:t>
+              <a:t>14-10-2024</a:t>
             </a:fld>
             <a:endParaRPr lang="en-IN"/>
           </a:p>
@@ -690,7 +690,7 @@
           <p:cNvPr id="5" name="Footer Placeholder 4">
             <a:extLst>
               <a:ext uri="{FF2B5EF4-FFF2-40B4-BE49-F238E27FC236}">
-                <a16:creationId xmlns:a16="http://schemas.microsoft.com/office/drawing/2014/main" id="{D2BF165D-D01C-7B1B-DFAE-24512E3020F4}"/>
+                <a16:creationId xmlns:a16="http://schemas.microsoft.com/office/drawing/2014/main" xmlns="" id="{D2BF165D-D01C-7B1B-DFAE-24512E3020F4}"/>
               </a:ext>
             </a:extLst>
           </p:cNvPr>
@@ -715,7 +715,7 @@
           <p:cNvPr id="6" name="Slide Number Placeholder 5">
             <a:extLst>
               <a:ext uri="{FF2B5EF4-FFF2-40B4-BE49-F238E27FC236}">
-                <a16:creationId xmlns:a16="http://schemas.microsoft.com/office/drawing/2014/main" id="{D47B7E72-B999-032C-A84D-1EF31070E57B}"/>
+                <a16:creationId xmlns:a16="http://schemas.microsoft.com/office/drawing/2014/main" xmlns="" id="{D47B7E72-B999-032C-A84D-1EF31070E57B}"/>
               </a:ext>
             </a:extLst>
           </p:cNvPr>
@@ -774,7 +774,7 @@
           <p:cNvPr id="2" name="Title 1">
             <a:extLst>
               <a:ext uri="{FF2B5EF4-FFF2-40B4-BE49-F238E27FC236}">
-                <a16:creationId xmlns:a16="http://schemas.microsoft.com/office/drawing/2014/main" id="{99A7AB91-D4F5-8D98-8092-891CF6CDBFDD}"/>
+                <a16:creationId xmlns:a16="http://schemas.microsoft.com/office/drawing/2014/main" xmlns="" id="{99A7AB91-D4F5-8D98-8092-891CF6CDBFDD}"/>
               </a:ext>
             </a:extLst>
           </p:cNvPr>
@@ -803,7 +803,7 @@
           <p:cNvPr id="3" name="Content Placeholder 2">
             <a:extLst>
               <a:ext uri="{FF2B5EF4-FFF2-40B4-BE49-F238E27FC236}">
-                <a16:creationId xmlns:a16="http://schemas.microsoft.com/office/drawing/2014/main" id="{DDB3262B-6CF7-2F95-4F5C-902FC0CC5150}"/>
+                <a16:creationId xmlns:a16="http://schemas.microsoft.com/office/drawing/2014/main" xmlns="" id="{DDB3262B-6CF7-2F95-4F5C-902FC0CC5150}"/>
               </a:ext>
             </a:extLst>
           </p:cNvPr>
@@ -861,7 +861,7 @@
           <p:cNvPr id="4" name="Date Placeholder 3">
             <a:extLst>
               <a:ext uri="{FF2B5EF4-FFF2-40B4-BE49-F238E27FC236}">
-                <a16:creationId xmlns:a16="http://schemas.microsoft.com/office/drawing/2014/main" id="{52D66812-3494-63F8-FFA2-135140E17764}"/>
+                <a16:creationId xmlns:a16="http://schemas.microsoft.com/office/drawing/2014/main" xmlns="" id="{52D66812-3494-63F8-FFA2-135140E17764}"/>
               </a:ext>
             </a:extLst>
           </p:cNvPr>
@@ -879,7 +879,7 @@
           <a:p>
             <a:fld id="{BCEE4DB9-1AAC-48CD-BA27-3DFA3E2C8DE9}" type="datetimeFigureOut">
               <a:rPr lang="en-IN" smtClean="0"/>
-              <a:t>11-10-2024</a:t>
+              <a:t>14-10-2024</a:t>
             </a:fld>
             <a:endParaRPr lang="en-IN"/>
           </a:p>
@@ -890,7 +890,7 @@
           <p:cNvPr id="5" name="Footer Placeholder 4">
             <a:extLst>
               <a:ext uri="{FF2B5EF4-FFF2-40B4-BE49-F238E27FC236}">
-                <a16:creationId xmlns:a16="http://schemas.microsoft.com/office/drawing/2014/main" id="{BF0C9715-6D2D-71A7-B66E-C9F555C5AFA4}"/>
+                <a16:creationId xmlns:a16="http://schemas.microsoft.com/office/drawing/2014/main" xmlns="" id="{BF0C9715-6D2D-71A7-B66E-C9F555C5AFA4}"/>
               </a:ext>
             </a:extLst>
           </p:cNvPr>
@@ -915,7 +915,7 @@
           <p:cNvPr id="6" name="Slide Number Placeholder 5">
             <a:extLst>
               <a:ext uri="{FF2B5EF4-FFF2-40B4-BE49-F238E27FC236}">
-                <a16:creationId xmlns:a16="http://schemas.microsoft.com/office/drawing/2014/main" id="{B458F198-483C-DFE4-1A5B-429FEA96D911}"/>
+                <a16:creationId xmlns:a16="http://schemas.microsoft.com/office/drawing/2014/main" xmlns="" id="{B458F198-483C-DFE4-1A5B-429FEA96D911}"/>
               </a:ext>
             </a:extLst>
           </p:cNvPr>
@@ -974,7 +974,7 @@
           <p:cNvPr id="2" name="Title 1">
             <a:extLst>
               <a:ext uri="{FF2B5EF4-FFF2-40B4-BE49-F238E27FC236}">
-                <a16:creationId xmlns:a16="http://schemas.microsoft.com/office/drawing/2014/main" id="{4248E649-4251-B73A-1A29-6425B1A49E7E}"/>
+                <a16:creationId xmlns:a16="http://schemas.microsoft.com/office/drawing/2014/main" xmlns="" id="{4248E649-4251-B73A-1A29-6425B1A49E7E}"/>
               </a:ext>
             </a:extLst>
           </p:cNvPr>
@@ -1012,7 +1012,7 @@
           <p:cNvPr id="3" name="Text Placeholder 2">
             <a:extLst>
               <a:ext uri="{FF2B5EF4-FFF2-40B4-BE49-F238E27FC236}">
-                <a16:creationId xmlns:a16="http://schemas.microsoft.com/office/drawing/2014/main" id="{FB7CFDA3-1B49-2422-9BF2-30E43A5D453C}"/>
+                <a16:creationId xmlns:a16="http://schemas.microsoft.com/office/drawing/2014/main" xmlns="" id="{FB7CFDA3-1B49-2422-9BF2-30E43A5D453C}"/>
               </a:ext>
             </a:extLst>
           </p:cNvPr>
@@ -1137,7 +1137,7 @@
           <p:cNvPr id="4" name="Date Placeholder 3">
             <a:extLst>
               <a:ext uri="{FF2B5EF4-FFF2-40B4-BE49-F238E27FC236}">
-                <a16:creationId xmlns:a16="http://schemas.microsoft.com/office/drawing/2014/main" id="{39D869D2-85DA-95EB-DF18-25403898371E}"/>
+                <a16:creationId xmlns:a16="http://schemas.microsoft.com/office/drawing/2014/main" xmlns="" id="{39D869D2-85DA-95EB-DF18-25403898371E}"/>
               </a:ext>
             </a:extLst>
           </p:cNvPr>
@@ -1155,7 +1155,7 @@
           <a:p>
             <a:fld id="{BCEE4DB9-1AAC-48CD-BA27-3DFA3E2C8DE9}" type="datetimeFigureOut">
               <a:rPr lang="en-IN" smtClean="0"/>
-              <a:t>11-10-2024</a:t>
+              <a:t>14-10-2024</a:t>
             </a:fld>
             <a:endParaRPr lang="en-IN"/>
           </a:p>
@@ -1166,7 +1166,7 @@
           <p:cNvPr id="5" name="Footer Placeholder 4">
             <a:extLst>
               <a:ext uri="{FF2B5EF4-FFF2-40B4-BE49-F238E27FC236}">
-                <a16:creationId xmlns:a16="http://schemas.microsoft.com/office/drawing/2014/main" id="{A7B4AD58-1BC1-4DED-9F7F-0962CA4027CC}"/>
+                <a16:creationId xmlns:a16="http://schemas.microsoft.com/office/drawing/2014/main" xmlns="" id="{A7B4AD58-1BC1-4DED-9F7F-0962CA4027CC}"/>
               </a:ext>
             </a:extLst>
           </p:cNvPr>
@@ -1191,7 +1191,7 @@
           <p:cNvPr id="6" name="Slide Number Placeholder 5">
             <a:extLst>
               <a:ext uri="{FF2B5EF4-FFF2-40B4-BE49-F238E27FC236}">
-                <a16:creationId xmlns:a16="http://schemas.microsoft.com/office/drawing/2014/main" id="{B3AEEC52-F36B-BD5C-59BF-DB073D8D3F34}"/>
+                <a16:creationId xmlns:a16="http://schemas.microsoft.com/office/drawing/2014/main" xmlns="" id="{B3AEEC52-F36B-BD5C-59BF-DB073D8D3F34}"/>
               </a:ext>
             </a:extLst>
           </p:cNvPr>
@@ -1250,7 +1250,7 @@
           <p:cNvPr id="2" name="Title 1">
             <a:extLst>
               <a:ext uri="{FF2B5EF4-FFF2-40B4-BE49-F238E27FC236}">
-                <a16:creationId xmlns:a16="http://schemas.microsoft.com/office/drawing/2014/main" id="{8023043E-1F8F-8D4B-944F-27DC54A5D533}"/>
+                <a16:creationId xmlns:a16="http://schemas.microsoft.com/office/drawing/2014/main" xmlns="" id="{8023043E-1F8F-8D4B-944F-27DC54A5D533}"/>
               </a:ext>
             </a:extLst>
           </p:cNvPr>
@@ -1279,7 +1279,7 @@
           <p:cNvPr id="3" name="Content Placeholder 2">
             <a:extLst>
               <a:ext uri="{FF2B5EF4-FFF2-40B4-BE49-F238E27FC236}">
-                <a16:creationId xmlns:a16="http://schemas.microsoft.com/office/drawing/2014/main" id="{B2638C61-B9B0-2016-809E-FCD9C4227A56}"/>
+                <a16:creationId xmlns:a16="http://schemas.microsoft.com/office/drawing/2014/main" xmlns="" id="{B2638C61-B9B0-2016-809E-FCD9C4227A56}"/>
               </a:ext>
             </a:extLst>
           </p:cNvPr>
@@ -1342,7 +1342,7 @@
           <p:cNvPr id="4" name="Content Placeholder 3">
             <a:extLst>
               <a:ext uri="{FF2B5EF4-FFF2-40B4-BE49-F238E27FC236}">
-                <a16:creationId xmlns:a16="http://schemas.microsoft.com/office/drawing/2014/main" id="{51203327-D3F6-1CC0-C788-9A8255A07BDD}"/>
+                <a16:creationId xmlns:a16="http://schemas.microsoft.com/office/drawing/2014/main" xmlns="" id="{51203327-D3F6-1CC0-C788-9A8255A07BDD}"/>
               </a:ext>
             </a:extLst>
           </p:cNvPr>
@@ -1405,7 +1405,7 @@
           <p:cNvPr id="5" name="Date Placeholder 4">
             <a:extLst>
               <a:ext uri="{FF2B5EF4-FFF2-40B4-BE49-F238E27FC236}">
-                <a16:creationId xmlns:a16="http://schemas.microsoft.com/office/drawing/2014/main" id="{22328BC6-8DB0-8828-8B5E-920D6C147072}"/>
+                <a16:creationId xmlns:a16="http://schemas.microsoft.com/office/drawing/2014/main" xmlns="" id="{22328BC6-8DB0-8828-8B5E-920D6C147072}"/>
               </a:ext>
             </a:extLst>
           </p:cNvPr>
@@ -1423,7 +1423,7 @@
           <a:p>
             <a:fld id="{BCEE4DB9-1AAC-48CD-BA27-3DFA3E2C8DE9}" type="datetimeFigureOut">
               <a:rPr lang="en-IN" smtClean="0"/>
-              <a:t>11-10-2024</a:t>
+              <a:t>14-10-2024</a:t>
             </a:fld>
             <a:endParaRPr lang="en-IN"/>
           </a:p>
@@ -1434,7 +1434,7 @@
           <p:cNvPr id="6" name="Footer Placeholder 5">
             <a:extLst>
               <a:ext uri="{FF2B5EF4-FFF2-40B4-BE49-F238E27FC236}">
-                <a16:creationId xmlns:a16="http://schemas.microsoft.com/office/drawing/2014/main" id="{82C3FAA8-AC5A-32B5-1A6B-18F141E3B544}"/>
+                <a16:creationId xmlns:a16="http://schemas.microsoft.com/office/drawing/2014/main" xmlns="" id="{82C3FAA8-AC5A-32B5-1A6B-18F141E3B544}"/>
               </a:ext>
             </a:extLst>
           </p:cNvPr>
@@ -1459,7 +1459,7 @@
           <p:cNvPr id="7" name="Slide Number Placeholder 6">
             <a:extLst>
               <a:ext uri="{FF2B5EF4-FFF2-40B4-BE49-F238E27FC236}">
-                <a16:creationId xmlns:a16="http://schemas.microsoft.com/office/drawing/2014/main" id="{0C1F8093-C653-5116-6D25-26E6ACD92E8B}"/>
+                <a16:creationId xmlns:a16="http://schemas.microsoft.com/office/drawing/2014/main" xmlns="" id="{0C1F8093-C653-5116-6D25-26E6ACD92E8B}"/>
               </a:ext>
             </a:extLst>
           </p:cNvPr>
@@ -1518,7 +1518,7 @@
           <p:cNvPr id="2" name="Title 1">
             <a:extLst>
               <a:ext uri="{FF2B5EF4-FFF2-40B4-BE49-F238E27FC236}">
-                <a16:creationId xmlns:a16="http://schemas.microsoft.com/office/drawing/2014/main" id="{A91559D3-2FC1-9B23-0346-EEFEDFBCC7EB}"/>
+                <a16:creationId xmlns:a16="http://schemas.microsoft.com/office/drawing/2014/main" xmlns="" id="{A91559D3-2FC1-9B23-0346-EEFEDFBCC7EB}"/>
               </a:ext>
             </a:extLst>
           </p:cNvPr>
@@ -1552,7 +1552,7 @@
           <p:cNvPr id="3" name="Text Placeholder 2">
             <a:extLst>
               <a:ext uri="{FF2B5EF4-FFF2-40B4-BE49-F238E27FC236}">
-                <a16:creationId xmlns:a16="http://schemas.microsoft.com/office/drawing/2014/main" id="{00C5D2DF-2E6B-F1EA-8A84-BBB3F7B5D4EF}"/>
+                <a16:creationId xmlns:a16="http://schemas.microsoft.com/office/drawing/2014/main" xmlns="" id="{00C5D2DF-2E6B-F1EA-8A84-BBB3F7B5D4EF}"/>
               </a:ext>
             </a:extLst>
           </p:cNvPr>
@@ -1623,7 +1623,7 @@
           <p:cNvPr id="4" name="Content Placeholder 3">
             <a:extLst>
               <a:ext uri="{FF2B5EF4-FFF2-40B4-BE49-F238E27FC236}">
-                <a16:creationId xmlns:a16="http://schemas.microsoft.com/office/drawing/2014/main" id="{EAC3B16D-2540-9AE8-70F1-7957B24D2769}"/>
+                <a16:creationId xmlns:a16="http://schemas.microsoft.com/office/drawing/2014/main" xmlns="" id="{EAC3B16D-2540-9AE8-70F1-7957B24D2769}"/>
               </a:ext>
             </a:extLst>
           </p:cNvPr>
@@ -1686,7 +1686,7 @@
           <p:cNvPr id="5" name="Text Placeholder 4">
             <a:extLst>
               <a:ext uri="{FF2B5EF4-FFF2-40B4-BE49-F238E27FC236}">
-                <a16:creationId xmlns:a16="http://schemas.microsoft.com/office/drawing/2014/main" id="{B9856C9B-B5F3-98C7-7C0B-A79D533D05E7}"/>
+                <a16:creationId xmlns:a16="http://schemas.microsoft.com/office/drawing/2014/main" xmlns="" id="{B9856C9B-B5F3-98C7-7C0B-A79D533D05E7}"/>
               </a:ext>
             </a:extLst>
           </p:cNvPr>
@@ -1757,7 +1757,7 @@
           <p:cNvPr id="6" name="Content Placeholder 5">
             <a:extLst>
               <a:ext uri="{FF2B5EF4-FFF2-40B4-BE49-F238E27FC236}">
-                <a16:creationId xmlns:a16="http://schemas.microsoft.com/office/drawing/2014/main" id="{4314B316-A504-4941-6E9C-4ED6DEB26801}"/>
+                <a16:creationId xmlns:a16="http://schemas.microsoft.com/office/drawing/2014/main" xmlns="" id="{4314B316-A504-4941-6E9C-4ED6DEB26801}"/>
               </a:ext>
             </a:extLst>
           </p:cNvPr>
@@ -1820,7 +1820,7 @@
           <p:cNvPr id="7" name="Date Placeholder 6">
             <a:extLst>
               <a:ext uri="{FF2B5EF4-FFF2-40B4-BE49-F238E27FC236}">
-                <a16:creationId xmlns:a16="http://schemas.microsoft.com/office/drawing/2014/main" id="{381C0DE8-6E50-5575-1022-69BBD90A5414}"/>
+                <a16:creationId xmlns:a16="http://schemas.microsoft.com/office/drawing/2014/main" xmlns="" id="{381C0DE8-6E50-5575-1022-69BBD90A5414}"/>
               </a:ext>
             </a:extLst>
           </p:cNvPr>
@@ -1838,7 +1838,7 @@
           <a:p>
             <a:fld id="{BCEE4DB9-1AAC-48CD-BA27-3DFA3E2C8DE9}" type="datetimeFigureOut">
               <a:rPr lang="en-IN" smtClean="0"/>
-              <a:t>11-10-2024</a:t>
+              <a:t>14-10-2024</a:t>
             </a:fld>
             <a:endParaRPr lang="en-IN"/>
           </a:p>
@@ -1849,7 +1849,7 @@
           <p:cNvPr id="8" name="Footer Placeholder 7">
             <a:extLst>
               <a:ext uri="{FF2B5EF4-FFF2-40B4-BE49-F238E27FC236}">
-                <a16:creationId xmlns:a16="http://schemas.microsoft.com/office/drawing/2014/main" id="{C7E95A49-A291-31AA-6A90-58DA47AE014D}"/>
+                <a16:creationId xmlns:a16="http://schemas.microsoft.com/office/drawing/2014/main" xmlns="" id="{C7E95A49-A291-31AA-6A90-58DA47AE014D}"/>
               </a:ext>
             </a:extLst>
           </p:cNvPr>
@@ -1874,7 +1874,7 @@
           <p:cNvPr id="9" name="Slide Number Placeholder 8">
             <a:extLst>
               <a:ext uri="{FF2B5EF4-FFF2-40B4-BE49-F238E27FC236}">
-                <a16:creationId xmlns:a16="http://schemas.microsoft.com/office/drawing/2014/main" id="{45962391-6700-3028-BB3C-3ABEC3F28B80}"/>
+                <a16:creationId xmlns:a16="http://schemas.microsoft.com/office/drawing/2014/main" xmlns="" id="{45962391-6700-3028-BB3C-3ABEC3F28B80}"/>
               </a:ext>
             </a:extLst>
           </p:cNvPr>
@@ -1933,7 +1933,7 @@
           <p:cNvPr id="2" name="Title 1">
             <a:extLst>
               <a:ext uri="{FF2B5EF4-FFF2-40B4-BE49-F238E27FC236}">
-                <a16:creationId xmlns:a16="http://schemas.microsoft.com/office/drawing/2014/main" id="{1D934D7E-0859-950D-6E08-A8ECEFE4198C}"/>
+                <a16:creationId xmlns:a16="http://schemas.microsoft.com/office/drawing/2014/main" xmlns="" id="{1D934D7E-0859-950D-6E08-A8ECEFE4198C}"/>
               </a:ext>
             </a:extLst>
           </p:cNvPr>
@@ -1962,7 +1962,7 @@
           <p:cNvPr id="3" name="Date Placeholder 2">
             <a:extLst>
               <a:ext uri="{FF2B5EF4-FFF2-40B4-BE49-F238E27FC236}">
-                <a16:creationId xmlns:a16="http://schemas.microsoft.com/office/drawing/2014/main" id="{7596FDB2-8DEB-29DB-FE4D-4A2208672748}"/>
+                <a16:creationId xmlns:a16="http://schemas.microsoft.com/office/drawing/2014/main" xmlns="" id="{7596FDB2-8DEB-29DB-FE4D-4A2208672748}"/>
               </a:ext>
             </a:extLst>
           </p:cNvPr>
@@ -1980,7 +1980,7 @@
           <a:p>
             <a:fld id="{BCEE4DB9-1AAC-48CD-BA27-3DFA3E2C8DE9}" type="datetimeFigureOut">
               <a:rPr lang="en-IN" smtClean="0"/>
-              <a:t>11-10-2024</a:t>
+              <a:t>14-10-2024</a:t>
             </a:fld>
             <a:endParaRPr lang="en-IN"/>
           </a:p>
@@ -1991,7 +1991,7 @@
           <p:cNvPr id="4" name="Footer Placeholder 3">
             <a:extLst>
               <a:ext uri="{FF2B5EF4-FFF2-40B4-BE49-F238E27FC236}">
-                <a16:creationId xmlns:a16="http://schemas.microsoft.com/office/drawing/2014/main" id="{3AF9812C-EF92-B0EC-BFC5-9FFEC583A5BC}"/>
+                <a16:creationId xmlns:a16="http://schemas.microsoft.com/office/drawing/2014/main" xmlns="" id="{3AF9812C-EF92-B0EC-BFC5-9FFEC583A5BC}"/>
               </a:ext>
             </a:extLst>
           </p:cNvPr>
@@ -2016,7 +2016,7 @@
           <p:cNvPr id="5" name="Slide Number Placeholder 4">
             <a:extLst>
               <a:ext uri="{FF2B5EF4-FFF2-40B4-BE49-F238E27FC236}">
-                <a16:creationId xmlns:a16="http://schemas.microsoft.com/office/drawing/2014/main" id="{DC2F4DAC-330E-AF9A-5AE0-9975677C2C94}"/>
+                <a16:creationId xmlns:a16="http://schemas.microsoft.com/office/drawing/2014/main" xmlns="" id="{DC2F4DAC-330E-AF9A-5AE0-9975677C2C94}"/>
               </a:ext>
             </a:extLst>
           </p:cNvPr>
@@ -2075,7 +2075,7 @@
           <p:cNvPr id="2" name="Date Placeholder 1">
             <a:extLst>
               <a:ext uri="{FF2B5EF4-FFF2-40B4-BE49-F238E27FC236}">
-                <a16:creationId xmlns:a16="http://schemas.microsoft.com/office/drawing/2014/main" id="{FB548CF3-3C66-6C9B-9853-47FA75A09A1B}"/>
+                <a16:creationId xmlns:a16="http://schemas.microsoft.com/office/drawing/2014/main" xmlns="" id="{FB548CF3-3C66-6C9B-9853-47FA75A09A1B}"/>
               </a:ext>
             </a:extLst>
           </p:cNvPr>
@@ -2093,7 +2093,7 @@
           <a:p>
             <a:fld id="{BCEE4DB9-1AAC-48CD-BA27-3DFA3E2C8DE9}" type="datetimeFigureOut">
               <a:rPr lang="en-IN" smtClean="0"/>
-              <a:t>11-10-2024</a:t>
+              <a:t>14-10-2024</a:t>
             </a:fld>
             <a:endParaRPr lang="en-IN"/>
           </a:p>
@@ -2104,7 +2104,7 @@
           <p:cNvPr id="3" name="Footer Placeholder 2">
             <a:extLst>
               <a:ext uri="{FF2B5EF4-FFF2-40B4-BE49-F238E27FC236}">
-                <a16:creationId xmlns:a16="http://schemas.microsoft.com/office/drawing/2014/main" id="{F5783B0E-3DB1-A30B-A269-81EA9DD558B5}"/>
+                <a16:creationId xmlns:a16="http://schemas.microsoft.com/office/drawing/2014/main" xmlns="" id="{F5783B0E-3DB1-A30B-A269-81EA9DD558B5}"/>
               </a:ext>
             </a:extLst>
           </p:cNvPr>
@@ -2129,7 +2129,7 @@
           <p:cNvPr id="4" name="Slide Number Placeholder 3">
             <a:extLst>
               <a:ext uri="{FF2B5EF4-FFF2-40B4-BE49-F238E27FC236}">
-                <a16:creationId xmlns:a16="http://schemas.microsoft.com/office/drawing/2014/main" id="{80284204-676B-3918-9C37-EFCCD230E5D0}"/>
+                <a16:creationId xmlns:a16="http://schemas.microsoft.com/office/drawing/2014/main" xmlns="" id="{80284204-676B-3918-9C37-EFCCD230E5D0}"/>
               </a:ext>
             </a:extLst>
           </p:cNvPr>
@@ -2188,7 +2188,7 @@
           <p:cNvPr id="2" name="Title 1">
             <a:extLst>
               <a:ext uri="{FF2B5EF4-FFF2-40B4-BE49-F238E27FC236}">
-                <a16:creationId xmlns:a16="http://schemas.microsoft.com/office/drawing/2014/main" id="{53EA1A4C-D729-E34D-64CF-529BFEA3FCCD}"/>
+                <a16:creationId xmlns:a16="http://schemas.microsoft.com/office/drawing/2014/main" xmlns="" id="{53EA1A4C-D729-E34D-64CF-529BFEA3FCCD}"/>
               </a:ext>
             </a:extLst>
           </p:cNvPr>
@@ -2226,7 +2226,7 @@
           <p:cNvPr id="3" name="Content Placeholder 2">
             <a:extLst>
               <a:ext uri="{FF2B5EF4-FFF2-40B4-BE49-F238E27FC236}">
-                <a16:creationId xmlns:a16="http://schemas.microsoft.com/office/drawing/2014/main" id="{49F484FB-0D2A-B3A3-70BE-71C8CBC54088}"/>
+                <a16:creationId xmlns:a16="http://schemas.microsoft.com/office/drawing/2014/main" xmlns="" id="{49F484FB-0D2A-B3A3-70BE-71C8CBC54088}"/>
               </a:ext>
             </a:extLst>
           </p:cNvPr>
@@ -2317,7 +2317,7 @@
           <p:cNvPr id="4" name="Text Placeholder 3">
             <a:extLst>
               <a:ext uri="{FF2B5EF4-FFF2-40B4-BE49-F238E27FC236}">
-                <a16:creationId xmlns:a16="http://schemas.microsoft.com/office/drawing/2014/main" id="{B729F820-B54A-884E-979D-B734B3831056}"/>
+                <a16:creationId xmlns:a16="http://schemas.microsoft.com/office/drawing/2014/main" xmlns="" id="{B729F820-B54A-884E-979D-B734B3831056}"/>
               </a:ext>
             </a:extLst>
           </p:cNvPr>
@@ -2388,7 +2388,7 @@
           <p:cNvPr id="5" name="Date Placeholder 4">
             <a:extLst>
               <a:ext uri="{FF2B5EF4-FFF2-40B4-BE49-F238E27FC236}">
-                <a16:creationId xmlns:a16="http://schemas.microsoft.com/office/drawing/2014/main" id="{67DE8E5A-CFFE-1D6F-6C18-E6B7EF226D3D}"/>
+                <a16:creationId xmlns:a16="http://schemas.microsoft.com/office/drawing/2014/main" xmlns="" id="{67DE8E5A-CFFE-1D6F-6C18-E6B7EF226D3D}"/>
               </a:ext>
             </a:extLst>
           </p:cNvPr>
@@ -2406,7 +2406,7 @@
           <a:p>
             <a:fld id="{BCEE4DB9-1AAC-48CD-BA27-3DFA3E2C8DE9}" type="datetimeFigureOut">
               <a:rPr lang="en-IN" smtClean="0"/>
-              <a:t>11-10-2024</a:t>
+              <a:t>14-10-2024</a:t>
             </a:fld>
             <a:endParaRPr lang="en-IN"/>
           </a:p>
@@ -2417,7 +2417,7 @@
           <p:cNvPr id="6" name="Footer Placeholder 5">
             <a:extLst>
               <a:ext uri="{FF2B5EF4-FFF2-40B4-BE49-F238E27FC236}">
-                <a16:creationId xmlns:a16="http://schemas.microsoft.com/office/drawing/2014/main" id="{1E96FD66-2980-324F-8E28-FB10E1B91B02}"/>
+                <a16:creationId xmlns:a16="http://schemas.microsoft.com/office/drawing/2014/main" xmlns="" id="{1E96FD66-2980-324F-8E28-FB10E1B91B02}"/>
               </a:ext>
             </a:extLst>
           </p:cNvPr>
@@ -2442,7 +2442,7 @@
           <p:cNvPr id="7" name="Slide Number Placeholder 6">
             <a:extLst>
               <a:ext uri="{FF2B5EF4-FFF2-40B4-BE49-F238E27FC236}">
-                <a16:creationId xmlns:a16="http://schemas.microsoft.com/office/drawing/2014/main" id="{56253F7A-29C7-7CEF-449F-3155B4EB411C}"/>
+                <a16:creationId xmlns:a16="http://schemas.microsoft.com/office/drawing/2014/main" xmlns="" id="{56253F7A-29C7-7CEF-449F-3155B4EB411C}"/>
               </a:ext>
             </a:extLst>
           </p:cNvPr>
@@ -2501,7 +2501,7 @@
           <p:cNvPr id="2" name="Title 1">
             <a:extLst>
               <a:ext uri="{FF2B5EF4-FFF2-40B4-BE49-F238E27FC236}">
-                <a16:creationId xmlns:a16="http://schemas.microsoft.com/office/drawing/2014/main" id="{3C9218ED-1725-7523-EB05-26BA18D22264}"/>
+                <a16:creationId xmlns:a16="http://schemas.microsoft.com/office/drawing/2014/main" xmlns="" id="{3C9218ED-1725-7523-EB05-26BA18D22264}"/>
               </a:ext>
             </a:extLst>
           </p:cNvPr>
@@ -2539,7 +2539,7 @@
           <p:cNvPr id="3" name="Picture Placeholder 2">
             <a:extLst>
               <a:ext uri="{FF2B5EF4-FFF2-40B4-BE49-F238E27FC236}">
-                <a16:creationId xmlns:a16="http://schemas.microsoft.com/office/drawing/2014/main" id="{39CCDE1D-0D7F-756B-13EA-DE92823710B9}"/>
+                <a16:creationId xmlns:a16="http://schemas.microsoft.com/office/drawing/2014/main" xmlns="" id="{39CCDE1D-0D7F-756B-13EA-DE92823710B9}"/>
               </a:ext>
             </a:extLst>
           </p:cNvPr>
@@ -2606,7 +2606,7 @@
           <p:cNvPr id="4" name="Text Placeholder 3">
             <a:extLst>
               <a:ext uri="{FF2B5EF4-FFF2-40B4-BE49-F238E27FC236}">
-                <a16:creationId xmlns:a16="http://schemas.microsoft.com/office/drawing/2014/main" id="{04D5415C-505C-53D6-FC5B-B3CFAA57A8E7}"/>
+                <a16:creationId xmlns:a16="http://schemas.microsoft.com/office/drawing/2014/main" xmlns="" id="{04D5415C-505C-53D6-FC5B-B3CFAA57A8E7}"/>
               </a:ext>
             </a:extLst>
           </p:cNvPr>
@@ -2677,7 +2677,7 @@
           <p:cNvPr id="5" name="Date Placeholder 4">
             <a:extLst>
               <a:ext uri="{FF2B5EF4-FFF2-40B4-BE49-F238E27FC236}">
-                <a16:creationId xmlns:a16="http://schemas.microsoft.com/office/drawing/2014/main" id="{CD0E7DC5-14F7-42EB-80B5-532B59717D06}"/>
+                <a16:creationId xmlns:a16="http://schemas.microsoft.com/office/drawing/2014/main" xmlns="" id="{CD0E7DC5-14F7-42EB-80B5-532B59717D06}"/>
               </a:ext>
             </a:extLst>
           </p:cNvPr>
@@ -2695,7 +2695,7 @@
           <a:p>
             <a:fld id="{BCEE4DB9-1AAC-48CD-BA27-3DFA3E2C8DE9}" type="datetimeFigureOut">
               <a:rPr lang="en-IN" smtClean="0"/>
-              <a:t>11-10-2024</a:t>
+              <a:t>14-10-2024</a:t>
             </a:fld>
             <a:endParaRPr lang="en-IN"/>
           </a:p>
@@ -2706,7 +2706,7 @@
           <p:cNvPr id="6" name="Footer Placeholder 5">
             <a:extLst>
               <a:ext uri="{FF2B5EF4-FFF2-40B4-BE49-F238E27FC236}">
-                <a16:creationId xmlns:a16="http://schemas.microsoft.com/office/drawing/2014/main" id="{78ED42A9-F244-0FA5-D59F-81DCA2D94A7B}"/>
+                <a16:creationId xmlns:a16="http://schemas.microsoft.com/office/drawing/2014/main" xmlns="" id="{78ED42A9-F244-0FA5-D59F-81DCA2D94A7B}"/>
               </a:ext>
             </a:extLst>
           </p:cNvPr>
@@ -2731,7 +2731,7 @@
           <p:cNvPr id="7" name="Slide Number Placeholder 6">
             <a:extLst>
               <a:ext uri="{FF2B5EF4-FFF2-40B4-BE49-F238E27FC236}">
-                <a16:creationId xmlns:a16="http://schemas.microsoft.com/office/drawing/2014/main" id="{C9392998-5493-77F7-D703-33E982DC0880}"/>
+                <a16:creationId xmlns:a16="http://schemas.microsoft.com/office/drawing/2014/main" xmlns="" id="{C9392998-5493-77F7-D703-33E982DC0880}"/>
               </a:ext>
             </a:extLst>
           </p:cNvPr>
@@ -2795,7 +2795,7 @@
           <p:cNvPr id="2" name="Title Placeholder 1">
             <a:extLst>
               <a:ext uri="{FF2B5EF4-FFF2-40B4-BE49-F238E27FC236}">
-                <a16:creationId xmlns:a16="http://schemas.microsoft.com/office/drawing/2014/main" id="{D74FB7E6-A2F7-F08F-0EA6-E0CCFAED94B2}"/>
+                <a16:creationId xmlns:a16="http://schemas.microsoft.com/office/drawing/2014/main" xmlns="" id="{D74FB7E6-A2F7-F08F-0EA6-E0CCFAED94B2}"/>
               </a:ext>
             </a:extLst>
           </p:cNvPr>
@@ -2834,7 +2834,7 @@
           <p:cNvPr id="3" name="Text Placeholder 2">
             <a:extLst>
               <a:ext uri="{FF2B5EF4-FFF2-40B4-BE49-F238E27FC236}">
-                <a16:creationId xmlns:a16="http://schemas.microsoft.com/office/drawing/2014/main" id="{594A2DB0-4555-005A-66EE-F3F269FA273E}"/>
+                <a16:creationId xmlns:a16="http://schemas.microsoft.com/office/drawing/2014/main" xmlns="" id="{594A2DB0-4555-005A-66EE-F3F269FA273E}"/>
               </a:ext>
             </a:extLst>
           </p:cNvPr>
@@ -2902,7 +2902,7 @@
           <p:cNvPr id="4" name="Date Placeholder 3">
             <a:extLst>
               <a:ext uri="{FF2B5EF4-FFF2-40B4-BE49-F238E27FC236}">
-                <a16:creationId xmlns:a16="http://schemas.microsoft.com/office/drawing/2014/main" id="{9395527F-A211-9AF0-0B9A-A227FCF4A9D0}"/>
+                <a16:creationId xmlns:a16="http://schemas.microsoft.com/office/drawing/2014/main" xmlns="" id="{9395527F-A211-9AF0-0B9A-A227FCF4A9D0}"/>
               </a:ext>
             </a:extLst>
           </p:cNvPr>
@@ -2938,7 +2938,7 @@
           <a:p>
             <a:fld id="{BCEE4DB9-1AAC-48CD-BA27-3DFA3E2C8DE9}" type="datetimeFigureOut">
               <a:rPr lang="en-IN" smtClean="0"/>
-              <a:t>11-10-2024</a:t>
+              <a:t>14-10-2024</a:t>
             </a:fld>
             <a:endParaRPr lang="en-IN"/>
           </a:p>
@@ -2949,7 +2949,7 @@
           <p:cNvPr id="5" name="Footer Placeholder 4">
             <a:extLst>
               <a:ext uri="{FF2B5EF4-FFF2-40B4-BE49-F238E27FC236}">
-                <a16:creationId xmlns:a16="http://schemas.microsoft.com/office/drawing/2014/main" id="{4B62DBE3-31D5-926D-FA99-9A0F14A6D3B8}"/>
+                <a16:creationId xmlns:a16="http://schemas.microsoft.com/office/drawing/2014/main" xmlns="" id="{4B62DBE3-31D5-926D-FA99-9A0F14A6D3B8}"/>
               </a:ext>
             </a:extLst>
           </p:cNvPr>
@@ -2992,7 +2992,7 @@
           <p:cNvPr id="6" name="Slide Number Placeholder 5">
             <a:extLst>
               <a:ext uri="{FF2B5EF4-FFF2-40B4-BE49-F238E27FC236}">
-                <a16:creationId xmlns:a16="http://schemas.microsoft.com/office/drawing/2014/main" id="{F01B313B-4B5A-9ED9-41A6-A5F8E8F952EE}"/>
+                <a16:creationId xmlns:a16="http://schemas.microsoft.com/office/drawing/2014/main" xmlns="" id="{F01B313B-4B5A-9ED9-41A6-A5F8E8F952EE}"/>
               </a:ext>
             </a:extLst>
           </p:cNvPr>
@@ -3360,7 +3360,7 @@
           <p:cNvPr id="2" name="Title 1">
             <a:extLst>
               <a:ext uri="{FF2B5EF4-FFF2-40B4-BE49-F238E27FC236}">
-                <a16:creationId xmlns:a16="http://schemas.microsoft.com/office/drawing/2014/main" id="{902362AA-5BCA-7CBB-D7C8-B03E6FD26A2E}"/>
+                <a16:creationId xmlns:a16="http://schemas.microsoft.com/office/drawing/2014/main" xmlns="" id="{902362AA-5BCA-7CBB-D7C8-B03E6FD26A2E}"/>
               </a:ext>
             </a:extLst>
           </p:cNvPr>
@@ -3424,7 +3424,7 @@
           <p:cNvPr id="2" name="Title 1">
             <a:extLst>
               <a:ext uri="{FF2B5EF4-FFF2-40B4-BE49-F238E27FC236}">
-                <a16:creationId xmlns:a16="http://schemas.microsoft.com/office/drawing/2014/main" id="{CBDB66B0-C4C8-BEBF-B830-06DDD56C8759}"/>
+                <a16:creationId xmlns:a16="http://schemas.microsoft.com/office/drawing/2014/main" xmlns="" id="{CBDB66B0-C4C8-BEBF-B830-06DDD56C8759}"/>
               </a:ext>
             </a:extLst>
           </p:cNvPr>
@@ -3458,7 +3458,7 @@
           <p:cNvPr id="4" name="Picture 3">
             <a:extLst>
               <a:ext uri="{FF2B5EF4-FFF2-40B4-BE49-F238E27FC236}">
-                <a16:creationId xmlns:a16="http://schemas.microsoft.com/office/drawing/2014/main" id="{F258B367-CBA5-F48C-1E07-E199A0DDB7A0}"/>
+                <a16:creationId xmlns:a16="http://schemas.microsoft.com/office/drawing/2014/main" xmlns="" id="{F258B367-CBA5-F48C-1E07-E199A0DDB7A0}"/>
               </a:ext>
             </a:extLst>
           </p:cNvPr>
@@ -3524,7 +3524,7 @@
           <p:cNvPr id="2" name="Title 1">
             <a:extLst>
               <a:ext uri="{FF2B5EF4-FFF2-40B4-BE49-F238E27FC236}">
-                <a16:creationId xmlns:a16="http://schemas.microsoft.com/office/drawing/2014/main" id="{0CA59FA6-15BE-81FA-4E3E-BC2F7BBE4B20}"/>
+                <a16:creationId xmlns:a16="http://schemas.microsoft.com/office/drawing/2014/main" xmlns="" id="{0CA59FA6-15BE-81FA-4E3E-BC2F7BBE4B20}"/>
               </a:ext>
             </a:extLst>
           </p:cNvPr>
@@ -3558,7 +3558,7 @@
           <p:cNvPr id="4" name="Text Placeholder 3">
             <a:extLst>
               <a:ext uri="{FF2B5EF4-FFF2-40B4-BE49-F238E27FC236}">
-                <a16:creationId xmlns:a16="http://schemas.microsoft.com/office/drawing/2014/main" id="{2C788656-1697-FE85-774D-24721CC5819A}"/>
+                <a16:creationId xmlns:a16="http://schemas.microsoft.com/office/drawing/2014/main" xmlns="" id="{2C788656-1697-FE85-774D-24721CC5819A}"/>
               </a:ext>
             </a:extLst>
           </p:cNvPr>
@@ -3615,7 +3615,7 @@
           <p:cNvPr id="30" name="Picture Placeholder 29">
             <a:extLst>
               <a:ext uri="{FF2B5EF4-FFF2-40B4-BE49-F238E27FC236}">
-                <a16:creationId xmlns:a16="http://schemas.microsoft.com/office/drawing/2014/main" id="{62E0D696-DA04-4C70-A4FB-0A0A691F98F6}"/>
+                <a16:creationId xmlns:a16="http://schemas.microsoft.com/office/drawing/2014/main" xmlns="" id="{62E0D696-DA04-4C70-A4FB-0A0A691F98F6}"/>
               </a:ext>
             </a:extLst>
           </p:cNvPr>
@@ -3681,7 +3681,7 @@
           <p:cNvPr id="2" name="Title 1">
             <a:extLst>
               <a:ext uri="{FF2B5EF4-FFF2-40B4-BE49-F238E27FC236}">
-                <a16:creationId xmlns:a16="http://schemas.microsoft.com/office/drawing/2014/main" id="{687C6A11-1C43-35DF-180F-91B4F1093EC6}"/>
+                <a16:creationId xmlns:a16="http://schemas.microsoft.com/office/drawing/2014/main" xmlns="" id="{687C6A11-1C43-35DF-180F-91B4F1093EC6}"/>
               </a:ext>
             </a:extLst>
           </p:cNvPr>
@@ -3715,7 +3715,7 @@
           <p:cNvPr id="4" name="Text Placeholder 3">
             <a:extLst>
               <a:ext uri="{FF2B5EF4-FFF2-40B4-BE49-F238E27FC236}">
-                <a16:creationId xmlns:a16="http://schemas.microsoft.com/office/drawing/2014/main" id="{918E693B-F9CB-2E13-60CA-D58B24FA2675}"/>
+                <a16:creationId xmlns:a16="http://schemas.microsoft.com/office/drawing/2014/main" xmlns="" id="{918E693B-F9CB-2E13-60CA-D58B24FA2675}"/>
               </a:ext>
             </a:extLst>
           </p:cNvPr>
@@ -3745,9 +3745,10 @@
               <a:t>gitlab-ci.yaml</a:t>
             </a:r>
             <a:r>
-              <a:rPr lang="en-IN" dirty="0"/>
-              <a:t>:</a:t>
-            </a:r>
+              <a:rPr lang="en-IN" dirty="0" smtClean="0"/>
+              <a:t>: It is the file which contains script in order the execute the CI/CD Pipelines.</a:t>
+            </a:r>
+            <a:endParaRPr lang="en-IN" dirty="0"/>
           </a:p>
           <a:p>
             <a:endParaRPr lang="en-IN" dirty="0"/>
@@ -3811,7 +3812,7 @@
           <p:cNvPr id="14" name="Picture Placeholder 13">
             <a:extLst>
               <a:ext uri="{FF2B5EF4-FFF2-40B4-BE49-F238E27FC236}">
-                <a16:creationId xmlns:a16="http://schemas.microsoft.com/office/drawing/2014/main" id="{C9C33755-0F01-7027-20D1-E762C21EECD1}"/>
+                <a16:creationId xmlns:a16="http://schemas.microsoft.com/office/drawing/2014/main" xmlns="" id="{C9C33755-0F01-7027-20D1-E762C21EECD1}"/>
               </a:ext>
             </a:extLst>
           </p:cNvPr>
@@ -3877,7 +3878,7 @@
           <p:cNvPr id="2" name="Title 1">
             <a:extLst>
               <a:ext uri="{FF2B5EF4-FFF2-40B4-BE49-F238E27FC236}">
-                <a16:creationId xmlns:a16="http://schemas.microsoft.com/office/drawing/2014/main" id="{0F314D64-05D0-90B0-FF7C-4F99B0A94BDA}"/>
+                <a16:creationId xmlns:a16="http://schemas.microsoft.com/office/drawing/2014/main" xmlns="" id="{0F314D64-05D0-90B0-FF7C-4F99B0A94BDA}"/>
               </a:ext>
             </a:extLst>
           </p:cNvPr>
@@ -3901,15 +3902,80 @@
           </a:p>
         </p:txBody>
       </p:sp>
+      <p:sp>
+        <p:nvSpPr>
+          <p:cNvPr id="4" name="Text Placeholder 3">
+            <a:extLst>
+              <a:ext uri="{FF2B5EF4-FFF2-40B4-BE49-F238E27FC236}">
+                <a16:creationId xmlns:a16="http://schemas.microsoft.com/office/drawing/2014/main" xmlns="" id="{3BC99AC5-9647-86D6-7606-B468AF7F3449}"/>
+              </a:ext>
+            </a:extLst>
+          </p:cNvPr>
+          <p:cNvSpPr>
+            <a:spLocks noGrp="1"/>
+          </p:cNvSpPr>
+          <p:nvPr>
+            <p:ph type="body" sz="half" idx="2"/>
+          </p:nvPr>
+        </p:nvSpPr>
+        <p:spPr/>
+        <p:txBody>
+          <a:bodyPr/>
+          <a:lstStyle/>
+          <a:p>
+            <a:r>
+              <a:rPr lang="en-IN" dirty="0"/>
+              <a:t>1)Currently we are using feature branch  master branch.</a:t>
+            </a:r>
+          </a:p>
+          <a:p>
+            <a:r>
+              <a:rPr lang="en-IN" dirty="0"/>
+              <a:t>2)Once code is pushed to remote repo developers will do the merge request against </a:t>
+            </a:r>
+            <a:r>
+              <a:rPr lang="en-IN" dirty="0" smtClean="0"/>
+              <a:t>release</a:t>
+            </a:r>
+            <a:r>
+              <a:rPr lang="en-IN" dirty="0" smtClean="0"/>
+              <a:t> </a:t>
+            </a:r>
+            <a:r>
+              <a:rPr lang="en-IN" dirty="0"/>
+              <a:t>branch from feature branch</a:t>
+            </a:r>
+            <a:r>
+              <a:rPr lang="en-IN" dirty="0" smtClean="0"/>
+              <a:t>.</a:t>
+            </a:r>
+          </a:p>
+          <a:p>
+            <a:r>
+              <a:rPr lang="en-US" dirty="0" smtClean="0"/>
+              <a:t>3)Then raise the merge request from release to master branch</a:t>
+            </a:r>
+            <a:endParaRPr lang="en-IN" dirty="0"/>
+          </a:p>
+          <a:p>
+            <a:r>
+              <a:rPr lang="en-IN" dirty="0"/>
+              <a:t>4</a:t>
+            </a:r>
+            <a:r>
+              <a:rPr lang="en-IN" dirty="0" smtClean="0"/>
+              <a:t>)In </a:t>
+            </a:r>
+            <a:r>
+              <a:rPr lang="en-IN" dirty="0"/>
+              <a:t>merge request we have to add assignee and reviewer to review the code.</a:t>
+            </a:r>
+          </a:p>
+        </p:txBody>
+      </p:sp>
       <p:pic>
         <p:nvPicPr>
-          <p:cNvPr id="6" name="Picture Placeholder 5">
-            <a:extLst>
-              <a:ext uri="{FF2B5EF4-FFF2-40B4-BE49-F238E27FC236}">
-                <a16:creationId xmlns:a16="http://schemas.microsoft.com/office/drawing/2014/main" id="{97970148-A895-E083-E53E-B5B7ADA57B26}"/>
-              </a:ext>
-            </a:extLst>
-          </p:cNvPr>
+          <p:cNvPr id="8" name="Picture Placeholder 7"/>
           <p:cNvPicPr>
             <a:picLocks noGrp="1" noChangeAspect="1"/>
           </p:cNvPicPr>
@@ -3925,53 +3991,18 @@
               </a:ext>
             </a:extLst>
           </a:blip>
-          <a:srcRect l="1087" r="1087"/>
+          <a:srcRect l="10993" r="10993"/>
           <a:stretch>
             <a:fillRect/>
           </a:stretch>
         </p:blipFill>
-        <p:spPr/>
+        <p:spPr>
+          <a:xfrm>
+            <a:off x="4978400" y="0"/>
+            <a:ext cx="7213600" cy="6858000"/>
+          </a:xfrm>
+        </p:spPr>
       </p:pic>
-      <p:sp>
-        <p:nvSpPr>
-          <p:cNvPr id="4" name="Text Placeholder 3">
-            <a:extLst>
-              <a:ext uri="{FF2B5EF4-FFF2-40B4-BE49-F238E27FC236}">
-                <a16:creationId xmlns:a16="http://schemas.microsoft.com/office/drawing/2014/main" id="{3BC99AC5-9647-86D6-7606-B468AF7F3449}"/>
-              </a:ext>
-            </a:extLst>
-          </p:cNvPr>
-          <p:cNvSpPr>
-            <a:spLocks noGrp="1"/>
-          </p:cNvSpPr>
-          <p:nvPr>
-            <p:ph type="body" sz="half" idx="2"/>
-          </p:nvPr>
-        </p:nvSpPr>
-        <p:spPr/>
-        <p:txBody>
-          <a:bodyPr/>
-          <a:lstStyle/>
-          <a:p>
-            <a:r>
-              <a:rPr lang="en-IN" dirty="0"/>
-              <a:t>1)Currently we are using feature branch  master branch.</a:t>
-            </a:r>
-          </a:p>
-          <a:p>
-            <a:r>
-              <a:rPr lang="en-IN" dirty="0"/>
-              <a:t>2)Once code is pushed to remote repo developers will do the merge request against master branch from feature branch.</a:t>
-            </a:r>
-          </a:p>
-          <a:p>
-            <a:r>
-              <a:rPr lang="en-IN" dirty="0"/>
-              <a:t>3)In merge request we have to add assignee and reviewer to review the code.</a:t>
-            </a:r>
-          </a:p>
-        </p:txBody>
-      </p:sp>
     </p:spTree>
     <p:extLst>
       <p:ext uri="{BB962C8B-B14F-4D97-AF65-F5344CB8AC3E}">
@@ -4007,7 +4038,7 @@
           <p:cNvPr id="2" name="Title 1">
             <a:extLst>
               <a:ext uri="{FF2B5EF4-FFF2-40B4-BE49-F238E27FC236}">
-                <a16:creationId xmlns:a16="http://schemas.microsoft.com/office/drawing/2014/main" id="{EA0DE43E-8DF3-EF61-53BD-8B94C07708A1}"/>
+                <a16:creationId xmlns:a16="http://schemas.microsoft.com/office/drawing/2014/main" xmlns="" id="{EA0DE43E-8DF3-EF61-53BD-8B94C07708A1}"/>
               </a:ext>
             </a:extLst>
           </p:cNvPr>
@@ -4041,7 +4072,7 @@
           <p:cNvPr id="4" name="Text Placeholder 3">
             <a:extLst>
               <a:ext uri="{FF2B5EF4-FFF2-40B4-BE49-F238E27FC236}">
-                <a16:creationId xmlns:a16="http://schemas.microsoft.com/office/drawing/2014/main" id="{6903574A-C39B-9399-86DE-531FB6628B6B}"/>
+                <a16:creationId xmlns:a16="http://schemas.microsoft.com/office/drawing/2014/main" xmlns="" id="{6903574A-C39B-9399-86DE-531FB6628B6B}"/>
               </a:ext>
             </a:extLst>
           </p:cNvPr>
@@ -4134,7 +4165,7 @@
           <p:cNvPr id="18" name="Picture Placeholder 17">
             <a:extLst>
               <a:ext uri="{FF2B5EF4-FFF2-40B4-BE49-F238E27FC236}">
-                <a16:creationId xmlns:a16="http://schemas.microsoft.com/office/drawing/2014/main" id="{E109D175-1930-41BC-237C-63046002BAF0}"/>
+                <a16:creationId xmlns:a16="http://schemas.microsoft.com/office/drawing/2014/main" xmlns="" id="{E109D175-1930-41BC-237C-63046002BAF0}"/>
               </a:ext>
             </a:extLst>
           </p:cNvPr>
@@ -4200,7 +4231,7 @@
           <p:cNvPr id="2" name="Title 1">
             <a:extLst>
               <a:ext uri="{FF2B5EF4-FFF2-40B4-BE49-F238E27FC236}">
-                <a16:creationId xmlns:a16="http://schemas.microsoft.com/office/drawing/2014/main" id="{1ED1D44B-893F-C8B6-8EA2-AC236BFD11BD}"/>
+                <a16:creationId xmlns:a16="http://schemas.microsoft.com/office/drawing/2014/main" xmlns="" id="{1ED1D44B-893F-C8B6-8EA2-AC236BFD11BD}"/>
               </a:ext>
             </a:extLst>
           </p:cNvPr>
@@ -4229,7 +4260,7 @@
           <p:cNvPr id="4" name="Text Placeholder 3">
             <a:extLst>
               <a:ext uri="{FF2B5EF4-FFF2-40B4-BE49-F238E27FC236}">
-                <a16:creationId xmlns:a16="http://schemas.microsoft.com/office/drawing/2014/main" id="{0809A1B7-5023-D3D2-13C6-C2C61A8CD086}"/>
+                <a16:creationId xmlns:a16="http://schemas.microsoft.com/office/drawing/2014/main" xmlns="" id="{0809A1B7-5023-D3D2-13C6-C2C61A8CD086}"/>
               </a:ext>
             </a:extLst>
           </p:cNvPr>
@@ -4290,7 +4321,7 @@
           <p:cNvPr id="18" name="Picture Placeholder 17">
             <a:extLst>
               <a:ext uri="{FF2B5EF4-FFF2-40B4-BE49-F238E27FC236}">
-                <a16:creationId xmlns:a16="http://schemas.microsoft.com/office/drawing/2014/main" id="{C0C17D50-4623-E3C7-DD56-BE7D8726FBE3}"/>
+                <a16:creationId xmlns:a16="http://schemas.microsoft.com/office/drawing/2014/main" xmlns="" id="{C0C17D50-4623-E3C7-DD56-BE7D8726FBE3}"/>
               </a:ext>
             </a:extLst>
           </p:cNvPr>
@@ -4356,7 +4387,7 @@
           <p:cNvPr id="2" name="Title 1">
             <a:extLst>
               <a:ext uri="{FF2B5EF4-FFF2-40B4-BE49-F238E27FC236}">
-                <a16:creationId xmlns:a16="http://schemas.microsoft.com/office/drawing/2014/main" id="{BE3AC1C5-3F3F-C5C5-DBEB-CDA4863F17E4}"/>
+                <a16:creationId xmlns:a16="http://schemas.microsoft.com/office/drawing/2014/main" xmlns="" id="{BE3AC1C5-3F3F-C5C5-DBEB-CDA4863F17E4}"/>
               </a:ext>
             </a:extLst>
           </p:cNvPr>
@@ -4389,7 +4420,7 @@
           <p:cNvPr id="4" name="Text Placeholder 3">
             <a:extLst>
               <a:ext uri="{FF2B5EF4-FFF2-40B4-BE49-F238E27FC236}">
-                <a16:creationId xmlns:a16="http://schemas.microsoft.com/office/drawing/2014/main" id="{61924786-026D-5F9F-9FF6-3692C4DB24FB}"/>
+                <a16:creationId xmlns:a16="http://schemas.microsoft.com/office/drawing/2014/main" xmlns="" id="{61924786-026D-5F9F-9FF6-3692C4DB24FB}"/>
               </a:ext>
             </a:extLst>
           </p:cNvPr>
@@ -4514,7 +4545,7 @@
           <p:cNvPr id="18" name="Picture Placeholder 17">
             <a:extLst>
               <a:ext uri="{FF2B5EF4-FFF2-40B4-BE49-F238E27FC236}">
-                <a16:creationId xmlns:a16="http://schemas.microsoft.com/office/drawing/2014/main" id="{1F205751-6F94-7BB1-D5CD-2DCB00A57383}"/>
+                <a16:creationId xmlns:a16="http://schemas.microsoft.com/office/drawing/2014/main" xmlns="" id="{1F205751-6F94-7BB1-D5CD-2DCB00A57383}"/>
               </a:ext>
             </a:extLst>
           </p:cNvPr>
@@ -4580,7 +4611,7 @@
           <p:cNvPr id="2" name="Title 1">
             <a:extLst>
               <a:ext uri="{FF2B5EF4-FFF2-40B4-BE49-F238E27FC236}">
-                <a16:creationId xmlns:a16="http://schemas.microsoft.com/office/drawing/2014/main" id="{0786111E-1169-29EC-F405-7BBB9D9F572E}"/>
+                <a16:creationId xmlns:a16="http://schemas.microsoft.com/office/drawing/2014/main" xmlns="" id="{0786111E-1169-29EC-F405-7BBB9D9F572E}"/>
               </a:ext>
             </a:extLst>
           </p:cNvPr>
@@ -4609,7 +4640,7 @@
           <p:cNvPr id="3" name="Content Placeholder 2">
             <a:extLst>
               <a:ext uri="{FF2B5EF4-FFF2-40B4-BE49-F238E27FC236}">
-                <a16:creationId xmlns:a16="http://schemas.microsoft.com/office/drawing/2014/main" id="{4765403C-752A-36D5-DBD3-29229E1E12A8}"/>
+                <a16:creationId xmlns:a16="http://schemas.microsoft.com/office/drawing/2014/main" xmlns="" id="{4765403C-752A-36D5-DBD3-29229E1E12A8}"/>
               </a:ext>
             </a:extLst>
           </p:cNvPr>
@@ -4642,17 +4673,18 @@
           </a:p>
           <a:p>
             <a:r>
-              <a:rPr lang="en-IN" sz="2000" dirty="0"/>
-              <a:t>Regarding the credentials calling from secrets manger into python files is </a:t>
-            </a:r>
-            <a:r>
-              <a:rPr lang="en-IN" sz="2000" dirty="0" err="1"/>
+              <a:rPr lang="en-IN" sz="2000" dirty="0" smtClean="0"/>
+              <a:t>Regarding the secrets manager the deployment is </a:t>
+            </a:r>
+            <a:r>
+              <a:rPr lang="en-IN" sz="2000" dirty="0" err="1" smtClean="0"/>
               <a:t>inprogress</a:t>
             </a:r>
             <a:r>
-              <a:rPr lang="en-IN" sz="2000" dirty="0"/>
-              <a:t>.</a:t>
-            </a:r>
+              <a:rPr lang="en-IN" sz="2000" smtClean="0"/>
+              <a:t> state.</a:t>
+            </a:r>
+            <a:endParaRPr lang="en-IN" sz="2000" dirty="0"/>
           </a:p>
         </p:txBody>
       </p:sp>
